--- a/Employee_Data_Analysis_2.pptx
+++ b/Employee_Data_Analysis_2.pptx
@@ -170,6 +170,30 @@
             <ac:picMk id="13" creationId="{FEA2EDFA-59A4-12BC-EED8-7AFB8BE2180E}"/>
           </ac:picMkLst>
         </pc:picChg>
+      </pc:sldChg>
+    </pc:docChg>
+  </pc:docChgLst>
+  <pc:docChgLst>
+    <pc:chgData name="G GOPISH" userId="462ca5bac877c1d1" providerId="LiveId" clId="{5CBAB996-497C-49C5-9566-02F93940BAA7}"/>
+    <pc:docChg chg="modSld">
+      <pc:chgData name="G GOPISH" userId="462ca5bac877c1d1" providerId="LiveId" clId="{5CBAB996-497C-49C5-9566-02F93940BAA7}" dt="2024-09-04T07:24:40.091" v="17"/>
+      <pc:docMkLst>
+        <pc:docMk/>
+      </pc:docMkLst>
+      <pc:sldChg chg="modSp mod">
+        <pc:chgData name="G GOPISH" userId="462ca5bac877c1d1" providerId="LiveId" clId="{5CBAB996-497C-49C5-9566-02F93940BAA7}" dt="2024-09-04T07:24:40.091" v="17"/>
+        <pc:sldMkLst>
+          <pc:docMk/>
+          <pc:sldMk cId="0" sldId="256"/>
+        </pc:sldMkLst>
+        <pc:spChg chg="mod">
+          <ac:chgData name="G GOPISH" userId="462ca5bac877c1d1" providerId="LiveId" clId="{5CBAB996-497C-49C5-9566-02F93940BAA7}" dt="2024-09-04T07:24:40.091" v="17"/>
+          <ac:spMkLst>
+            <pc:docMk/>
+            <pc:sldMk cId="0" sldId="256"/>
+            <ac:spMk id="14" creationId="{D55ADE35-C35B-07C1-F5AA-C33B3DDB802E}"/>
+          </ac:spMkLst>
+        </pc:spChg>
       </pc:sldChg>
     </pc:docChg>
   </pc:docChgLst>
@@ -2809,13 +2833,8 @@
           <a:p>
             <a:r>
               <a:rPr lang="en-US" sz="2400" dirty="0"/>
-              <a:t>REGISTER NO: 312201027</a:t>
-            </a:r>
-            <a:r>
-              <a:rPr lang="en-US" sz="2400"/>
-              <a:t>, asunm110312201027</a:t>
-            </a:r>
-            <a:endParaRPr lang="en-US" sz="2400" dirty="0"/>
+              <a:t>REGISTER NO: 312201027, CBF1C42E9779FCDBE164A5739FCE3A1A</a:t>
+            </a:r>
           </a:p>
           <a:p>
             <a:r>
